--- a/CharaChipGen/doc/Note.pptx
+++ b/CharaChipGen/doc/Note.pptx
@@ -106,6 +106,11 @@
       </a:defRPr>
     </a:lvl9pPr>
   </p:defaultTextStyle>
+  <p:extLst>
+    <p:ext uri="{EFAFB233-063F-42B5-8137-9DF3F51BA10A}">
+      <p15:sldGuideLst xmlns:p15="http://schemas.microsoft.com/office/powerpoint/2012/main"/>
+    </p:ext>
+  </p:extLst>
 </p:presentation>
 </file>
 
@@ -256,7 +261,7 @@
           <a:p>
             <a:fld id="{B11884F3-82F1-42B6-984A-25D5CE82238E}" type="datetimeFigureOut">
               <a:rPr kumimoji="1" lang="ja-JP" altLang="en-US" smtClean="0"/>
-              <a:t>2019/4/14</a:t>
+              <a:t>2019/4/19</a:t>
             </a:fld>
             <a:endParaRPr kumimoji="1" lang="ja-JP" altLang="en-US"/>
           </a:p>
@@ -486,7 +491,7 @@
           <a:p>
             <a:fld id="{B11884F3-82F1-42B6-984A-25D5CE82238E}" type="datetimeFigureOut">
               <a:rPr kumimoji="1" lang="ja-JP" altLang="en-US" smtClean="0"/>
-              <a:t>2019/4/14</a:t>
+              <a:t>2019/4/19</a:t>
             </a:fld>
             <a:endParaRPr kumimoji="1" lang="ja-JP" altLang="en-US"/>
           </a:p>
@@ -726,7 +731,7 @@
           <a:p>
             <a:fld id="{B11884F3-82F1-42B6-984A-25D5CE82238E}" type="datetimeFigureOut">
               <a:rPr kumimoji="1" lang="ja-JP" altLang="en-US" smtClean="0"/>
-              <a:t>2019/4/14</a:t>
+              <a:t>2019/4/19</a:t>
             </a:fld>
             <a:endParaRPr kumimoji="1" lang="ja-JP" altLang="en-US"/>
           </a:p>
@@ -956,7 +961,7 @@
           <a:p>
             <a:fld id="{B11884F3-82F1-42B6-984A-25D5CE82238E}" type="datetimeFigureOut">
               <a:rPr kumimoji="1" lang="ja-JP" altLang="en-US" smtClean="0"/>
-              <a:t>2019/4/14</a:t>
+              <a:t>2019/4/19</a:t>
             </a:fld>
             <a:endParaRPr kumimoji="1" lang="ja-JP" altLang="en-US"/>
           </a:p>
@@ -1231,7 +1236,7 @@
           <a:p>
             <a:fld id="{B11884F3-82F1-42B6-984A-25D5CE82238E}" type="datetimeFigureOut">
               <a:rPr kumimoji="1" lang="ja-JP" altLang="en-US" smtClean="0"/>
-              <a:t>2019/4/14</a:t>
+              <a:t>2019/4/19</a:t>
             </a:fld>
             <a:endParaRPr kumimoji="1" lang="ja-JP" altLang="en-US"/>
           </a:p>
@@ -1560,7 +1565,7 @@
           <a:p>
             <a:fld id="{B11884F3-82F1-42B6-984A-25D5CE82238E}" type="datetimeFigureOut">
               <a:rPr kumimoji="1" lang="ja-JP" altLang="en-US" smtClean="0"/>
-              <a:t>2019/4/14</a:t>
+              <a:t>2019/4/19</a:t>
             </a:fld>
             <a:endParaRPr kumimoji="1" lang="ja-JP" altLang="en-US"/>
           </a:p>
@@ -2036,7 +2041,7 @@
           <a:p>
             <a:fld id="{B11884F3-82F1-42B6-984A-25D5CE82238E}" type="datetimeFigureOut">
               <a:rPr kumimoji="1" lang="ja-JP" altLang="en-US" smtClean="0"/>
-              <a:t>2019/4/14</a:t>
+              <a:t>2019/4/19</a:t>
             </a:fld>
             <a:endParaRPr kumimoji="1" lang="ja-JP" altLang="en-US"/>
           </a:p>
@@ -2177,7 +2182,7 @@
           <a:p>
             <a:fld id="{B11884F3-82F1-42B6-984A-25D5CE82238E}" type="datetimeFigureOut">
               <a:rPr kumimoji="1" lang="ja-JP" altLang="en-US" smtClean="0"/>
-              <a:t>2019/4/14</a:t>
+              <a:t>2019/4/19</a:t>
             </a:fld>
             <a:endParaRPr kumimoji="1" lang="ja-JP" altLang="en-US"/>
           </a:p>
@@ -2290,7 +2295,7 @@
           <a:p>
             <a:fld id="{B11884F3-82F1-42B6-984A-25D5CE82238E}" type="datetimeFigureOut">
               <a:rPr kumimoji="1" lang="ja-JP" altLang="en-US" smtClean="0"/>
-              <a:t>2019/4/14</a:t>
+              <a:t>2019/4/19</a:t>
             </a:fld>
             <a:endParaRPr kumimoji="1" lang="ja-JP" altLang="en-US"/>
           </a:p>
@@ -2633,7 +2638,7 @@
           <a:p>
             <a:fld id="{B11884F3-82F1-42B6-984A-25D5CE82238E}" type="datetimeFigureOut">
               <a:rPr kumimoji="1" lang="ja-JP" altLang="en-US" smtClean="0"/>
-              <a:t>2019/4/14</a:t>
+              <a:t>2019/4/19</a:t>
             </a:fld>
             <a:endParaRPr kumimoji="1" lang="ja-JP" altLang="en-US"/>
           </a:p>
@@ -2921,7 +2926,7 @@
           <a:p>
             <a:fld id="{B11884F3-82F1-42B6-984A-25D5CE82238E}" type="datetimeFigureOut">
               <a:rPr kumimoji="1" lang="ja-JP" altLang="en-US" smtClean="0"/>
-              <a:t>2019/4/14</a:t>
+              <a:t>2019/4/19</a:t>
             </a:fld>
             <a:endParaRPr kumimoji="1" lang="ja-JP" altLang="en-US"/>
           </a:p>
@@ -3194,7 +3199,7 @@
           <a:p>
             <a:fld id="{B11884F3-82F1-42B6-984A-25D5CE82238E}" type="datetimeFigureOut">
               <a:rPr kumimoji="1" lang="ja-JP" altLang="en-US" smtClean="0"/>
-              <a:t>2019/4/14</a:t>
+              <a:t>2019/4/19</a:t>
             </a:fld>
             <a:endParaRPr kumimoji="1" lang="ja-JP" altLang="en-US"/>
           </a:p>
@@ -4653,7 +4658,7 @@
         </p:nvSpPr>
         <p:spPr>
           <a:xfrm>
-            <a:off x="2481945" y="1908564"/>
+            <a:off x="2481945" y="2801598"/>
             <a:ext cx="2113804" cy="247408"/>
           </a:xfrm>
           <a:prstGeom prst="roundRect">
@@ -4708,7 +4713,7 @@
         </p:nvSpPr>
         <p:spPr>
           <a:xfrm>
-            <a:off x="2481945" y="2209072"/>
+            <a:off x="2481945" y="3102106"/>
             <a:ext cx="2113804" cy="247408"/>
           </a:xfrm>
           <a:prstGeom prst="roundRect">
@@ -4763,7 +4768,7 @@
         </p:nvSpPr>
         <p:spPr>
           <a:xfrm>
-            <a:off x="2481945" y="2810088"/>
+            <a:off x="2481945" y="1894438"/>
             <a:ext cx="2113804" cy="247408"/>
           </a:xfrm>
           <a:prstGeom prst="roundRect">
@@ -4818,7 +4823,7 @@
         </p:nvSpPr>
         <p:spPr>
           <a:xfrm>
-            <a:off x="2481945" y="3114508"/>
+            <a:off x="2481945" y="3719239"/>
             <a:ext cx="2113804" cy="247408"/>
           </a:xfrm>
           <a:prstGeom prst="roundRect">
@@ -4873,7 +4878,7 @@
         </p:nvSpPr>
         <p:spPr>
           <a:xfrm>
-            <a:off x="2481945" y="3418584"/>
+            <a:off x="2481945" y="2194946"/>
             <a:ext cx="2113804" cy="247408"/>
           </a:xfrm>
           <a:prstGeom prst="roundRect">
@@ -4928,62 +4933,7 @@
         </p:nvSpPr>
         <p:spPr>
           <a:xfrm>
-            <a:off x="2481945" y="3722660"/>
-            <a:ext cx="2113804" cy="247408"/>
-          </a:xfrm>
-          <a:prstGeom prst="roundRect">
-            <a:avLst/>
-          </a:prstGeom>
-        </p:spPr>
-        <p:style>
-          <a:lnRef idx="2">
-            <a:schemeClr val="accent3">
-              <a:shade val="50000"/>
-            </a:schemeClr>
-          </a:lnRef>
-          <a:fillRef idx="1">
-            <a:schemeClr val="accent3"/>
-          </a:fillRef>
-          <a:effectRef idx="0">
-            <a:schemeClr val="accent3"/>
-          </a:effectRef>
-          <a:fontRef idx="minor">
-            <a:schemeClr val="lt1"/>
-          </a:fontRef>
-        </p:style>
-        <p:txBody>
-          <a:bodyPr rot="0" spcFirstLastPara="0" vertOverflow="overflow" horzOverflow="overflow" vert="horz" wrap="square" lIns="91440" tIns="45720" rIns="91440" bIns="45720" numCol="1" spcCol="0" rtlCol="0" fromWordArt="0" anchor="ctr" anchorCtr="0" forceAA="0" compatLnSpc="1">
-            <a:prstTxWarp prst="textNoShape">
-              <a:avLst/>
-            </a:prstTxWarp>
-            <a:noAutofit/>
-          </a:bodyPr>
-          <a:lstStyle/>
-          <a:p>
-            <a:pPr algn="ctr"/>
-            <a:r>
-              <a:rPr kumimoji="1" lang="en-US" altLang="ja-JP" sz="1050" dirty="0"/>
-              <a:t>Head-back</a:t>
-            </a:r>
-            <a:endParaRPr kumimoji="1" lang="ja-JP" altLang="en-US" sz="1050" dirty="0" err="1"/>
-          </a:p>
-        </p:txBody>
-      </p:sp>
-      <p:sp>
-        <p:nvSpPr>
-          <p:cNvPr id="20" name="四角形: 角を丸くする 19">
-            <a:extLst>
-              <a:ext uri="{FF2B5EF4-FFF2-40B4-BE49-F238E27FC236}">
-                <a16:creationId xmlns:a16="http://schemas.microsoft.com/office/drawing/2014/main" id="{BDAC9FC0-7500-4D56-A8BC-D53DCCF308DA}"/>
-              </a:ext>
-            </a:extLst>
-          </p:cNvPr>
-          <p:cNvSpPr/>
-          <p:nvPr/>
-        </p:nvSpPr>
-        <p:spPr>
-          <a:xfrm>
-            <a:off x="2481945" y="2509580"/>
+            <a:off x="2481945" y="4029516"/>
             <a:ext cx="2113804" cy="247408"/>
           </a:xfrm>
           <a:prstGeom prst="roundRect">
@@ -5017,6 +4967,61 @@
           <a:p>
             <a:pPr algn="ctr"/>
             <a:r>
+              <a:rPr kumimoji="1" lang="en-US" altLang="ja-JP" sz="1050" dirty="0"/>
+              <a:t>Head-back</a:t>
+            </a:r>
+            <a:endParaRPr kumimoji="1" lang="ja-JP" altLang="en-US" sz="1050" dirty="0" err="1"/>
+          </a:p>
+        </p:txBody>
+      </p:sp>
+      <p:sp>
+        <p:nvSpPr>
+          <p:cNvPr id="20" name="四角形: 角を丸くする 19">
+            <a:extLst>
+              <a:ext uri="{FF2B5EF4-FFF2-40B4-BE49-F238E27FC236}">
+                <a16:creationId xmlns:a16="http://schemas.microsoft.com/office/drawing/2014/main" id="{BDAC9FC0-7500-4D56-A8BC-D53DCCF308DA}"/>
+              </a:ext>
+            </a:extLst>
+          </p:cNvPr>
+          <p:cNvSpPr/>
+          <p:nvPr/>
+        </p:nvSpPr>
+        <p:spPr>
+          <a:xfrm>
+            <a:off x="2481945" y="2515215"/>
+            <a:ext cx="2113804" cy="247408"/>
+          </a:xfrm>
+          <a:prstGeom prst="roundRect">
+            <a:avLst/>
+          </a:prstGeom>
+        </p:spPr>
+        <p:style>
+          <a:lnRef idx="2">
+            <a:schemeClr val="accent1">
+              <a:shade val="50000"/>
+            </a:schemeClr>
+          </a:lnRef>
+          <a:fillRef idx="1">
+            <a:schemeClr val="accent1"/>
+          </a:fillRef>
+          <a:effectRef idx="0">
+            <a:schemeClr val="accent1"/>
+          </a:effectRef>
+          <a:fontRef idx="minor">
+            <a:schemeClr val="lt1"/>
+          </a:fontRef>
+        </p:style>
+        <p:txBody>
+          <a:bodyPr rot="0" spcFirstLastPara="0" vertOverflow="overflow" horzOverflow="overflow" vert="horz" wrap="square" lIns="91440" tIns="45720" rIns="91440" bIns="45720" numCol="1" spcCol="0" rtlCol="0" fromWordArt="0" anchor="ctr" anchorCtr="0" forceAA="0" compatLnSpc="1">
+            <a:prstTxWarp prst="textNoShape">
+              <a:avLst/>
+            </a:prstTxWarp>
+            <a:noAutofit/>
+          </a:bodyPr>
+          <a:lstStyle/>
+          <a:p>
+            <a:pPr algn="ctr"/>
+            <a:r>
               <a:rPr kumimoji="1" lang="en-US" altLang="ja-JP" sz="1050" dirty="0" err="1"/>
               <a:t>HairStyle</a:t>
             </a:r>
@@ -5042,7 +5047,7 @@
         </p:nvSpPr>
         <p:spPr>
           <a:xfrm>
-            <a:off x="2481945" y="4026736"/>
+            <a:off x="2481945" y="3419817"/>
             <a:ext cx="2113804" cy="247408"/>
           </a:xfrm>
           <a:prstGeom prst="roundRect">

--- a/CharaChipGen/doc/Note.pptx
+++ b/CharaChipGen/doc/Note.pptx
@@ -261,7 +261,7 @@
           <a:p>
             <a:fld id="{B11884F3-82F1-42B6-984A-25D5CE82238E}" type="datetimeFigureOut">
               <a:rPr kumimoji="1" lang="ja-JP" altLang="en-US" smtClean="0"/>
-              <a:t>2019/4/19</a:t>
+              <a:t>2019/5/5</a:t>
             </a:fld>
             <a:endParaRPr kumimoji="1" lang="ja-JP" altLang="en-US"/>
           </a:p>
@@ -491,7 +491,7 @@
           <a:p>
             <a:fld id="{B11884F3-82F1-42B6-984A-25D5CE82238E}" type="datetimeFigureOut">
               <a:rPr kumimoji="1" lang="ja-JP" altLang="en-US" smtClean="0"/>
-              <a:t>2019/4/19</a:t>
+              <a:t>2019/5/5</a:t>
             </a:fld>
             <a:endParaRPr kumimoji="1" lang="ja-JP" altLang="en-US"/>
           </a:p>
@@ -731,7 +731,7 @@
           <a:p>
             <a:fld id="{B11884F3-82F1-42B6-984A-25D5CE82238E}" type="datetimeFigureOut">
               <a:rPr kumimoji="1" lang="ja-JP" altLang="en-US" smtClean="0"/>
-              <a:t>2019/4/19</a:t>
+              <a:t>2019/5/5</a:t>
             </a:fld>
             <a:endParaRPr kumimoji="1" lang="ja-JP" altLang="en-US"/>
           </a:p>
@@ -961,7 +961,7 @@
           <a:p>
             <a:fld id="{B11884F3-82F1-42B6-984A-25D5CE82238E}" type="datetimeFigureOut">
               <a:rPr kumimoji="1" lang="ja-JP" altLang="en-US" smtClean="0"/>
-              <a:t>2019/4/19</a:t>
+              <a:t>2019/5/5</a:t>
             </a:fld>
             <a:endParaRPr kumimoji="1" lang="ja-JP" altLang="en-US"/>
           </a:p>
@@ -1236,7 +1236,7 @@
           <a:p>
             <a:fld id="{B11884F3-82F1-42B6-984A-25D5CE82238E}" type="datetimeFigureOut">
               <a:rPr kumimoji="1" lang="ja-JP" altLang="en-US" smtClean="0"/>
-              <a:t>2019/4/19</a:t>
+              <a:t>2019/5/5</a:t>
             </a:fld>
             <a:endParaRPr kumimoji="1" lang="ja-JP" altLang="en-US"/>
           </a:p>
@@ -1565,7 +1565,7 @@
           <a:p>
             <a:fld id="{B11884F3-82F1-42B6-984A-25D5CE82238E}" type="datetimeFigureOut">
               <a:rPr kumimoji="1" lang="ja-JP" altLang="en-US" smtClean="0"/>
-              <a:t>2019/4/19</a:t>
+              <a:t>2019/5/5</a:t>
             </a:fld>
             <a:endParaRPr kumimoji="1" lang="ja-JP" altLang="en-US"/>
           </a:p>
@@ -2041,7 +2041,7 @@
           <a:p>
             <a:fld id="{B11884F3-82F1-42B6-984A-25D5CE82238E}" type="datetimeFigureOut">
               <a:rPr kumimoji="1" lang="ja-JP" altLang="en-US" smtClean="0"/>
-              <a:t>2019/4/19</a:t>
+              <a:t>2019/5/5</a:t>
             </a:fld>
             <a:endParaRPr kumimoji="1" lang="ja-JP" altLang="en-US"/>
           </a:p>
@@ -2182,7 +2182,7 @@
           <a:p>
             <a:fld id="{B11884F3-82F1-42B6-984A-25D5CE82238E}" type="datetimeFigureOut">
               <a:rPr kumimoji="1" lang="ja-JP" altLang="en-US" smtClean="0"/>
-              <a:t>2019/4/19</a:t>
+              <a:t>2019/5/5</a:t>
             </a:fld>
             <a:endParaRPr kumimoji="1" lang="ja-JP" altLang="en-US"/>
           </a:p>
@@ -2295,7 +2295,7 @@
           <a:p>
             <a:fld id="{B11884F3-82F1-42B6-984A-25D5CE82238E}" type="datetimeFigureOut">
               <a:rPr kumimoji="1" lang="ja-JP" altLang="en-US" smtClean="0"/>
-              <a:t>2019/4/19</a:t>
+              <a:t>2019/5/5</a:t>
             </a:fld>
             <a:endParaRPr kumimoji="1" lang="ja-JP" altLang="en-US"/>
           </a:p>
@@ -2638,7 +2638,7 @@
           <a:p>
             <a:fld id="{B11884F3-82F1-42B6-984A-25D5CE82238E}" type="datetimeFigureOut">
               <a:rPr kumimoji="1" lang="ja-JP" altLang="en-US" smtClean="0"/>
-              <a:t>2019/4/19</a:t>
+              <a:t>2019/5/5</a:t>
             </a:fld>
             <a:endParaRPr kumimoji="1" lang="ja-JP" altLang="en-US"/>
           </a:p>
@@ -2926,7 +2926,7 @@
           <a:p>
             <a:fld id="{B11884F3-82F1-42B6-984A-25D5CE82238E}" type="datetimeFigureOut">
               <a:rPr kumimoji="1" lang="ja-JP" altLang="en-US" smtClean="0"/>
-              <a:t>2019/4/19</a:t>
+              <a:t>2019/5/5</a:t>
             </a:fld>
             <a:endParaRPr kumimoji="1" lang="ja-JP" altLang="en-US"/>
           </a:p>
@@ -3199,7 +3199,7 @@
           <a:p>
             <a:fld id="{B11884F3-82F1-42B6-984A-25D5CE82238E}" type="datetimeFigureOut">
               <a:rPr kumimoji="1" lang="ja-JP" altLang="en-US" smtClean="0"/>
-              <a:t>2019/4/19</a:t>
+              <a:t>2019/5/5</a:t>
             </a:fld>
             <a:endParaRPr kumimoji="1" lang="ja-JP" altLang="en-US"/>
           </a:p>
@@ -3630,7 +3630,7 @@
         </p:nvSpPr>
         <p:spPr>
           <a:xfrm>
-            <a:off x="439838" y="532436"/>
+            <a:off x="4583577" y="1967696"/>
             <a:ext cx="2604304" cy="439838"/>
           </a:xfrm>
           <a:prstGeom prst="roundRect">
@@ -3663,6 +3663,1400 @@
               <a:t>CharaChipDataModel</a:t>
             </a:r>
             <a:endParaRPr kumimoji="1" lang="ja-JP" altLang="en-US" dirty="0"/>
+          </a:p>
+        </p:txBody>
+      </p:sp>
+      <p:sp>
+        <p:nvSpPr>
+          <p:cNvPr id="3" name="四角形: 角を丸くする 2">
+            <a:extLst>
+              <a:ext uri="{FF2B5EF4-FFF2-40B4-BE49-F238E27FC236}">
+                <a16:creationId xmlns:a16="http://schemas.microsoft.com/office/drawing/2014/main" id="{31AA3EBA-F97D-4F7E-BD33-427D67339DCA}"/>
+              </a:ext>
+            </a:extLst>
+          </p:cNvPr>
+          <p:cNvSpPr/>
+          <p:nvPr/>
+        </p:nvSpPr>
+        <p:spPr>
+          <a:xfrm>
+            <a:off x="8611564" y="648183"/>
+            <a:ext cx="2407535" cy="439838"/>
+          </a:xfrm>
+          <a:prstGeom prst="roundRect">
+            <a:avLst/>
+          </a:prstGeom>
+        </p:spPr>
+        <p:style>
+          <a:lnRef idx="2">
+            <a:schemeClr val="accent1">
+              <a:shade val="50000"/>
+            </a:schemeClr>
+          </a:lnRef>
+          <a:fillRef idx="1">
+            <a:schemeClr val="accent1"/>
+          </a:fillRef>
+          <a:effectRef idx="0">
+            <a:schemeClr val="accent1"/>
+          </a:effectRef>
+          <a:fontRef idx="minor">
+            <a:schemeClr val="lt1"/>
+          </a:fontRef>
+        </p:style>
+        <p:txBody>
+          <a:bodyPr rtlCol="0" anchor="ctr"/>
+          <a:lstStyle/>
+          <a:p>
+            <a:pPr algn="ctr"/>
+            <a:r>
+              <a:rPr kumimoji="1" lang="en-US" altLang="ja-JP" sz="1050" dirty="0" err="1"/>
+              <a:t>CharaChipGeneratorParamView</a:t>
+            </a:r>
+            <a:endParaRPr kumimoji="1" lang="ja-JP" altLang="en-US" sz="1050" dirty="0"/>
+          </a:p>
+        </p:txBody>
+      </p:sp>
+      <p:sp>
+        <p:nvSpPr>
+          <p:cNvPr id="2" name="テキスト ボックス 1">
+            <a:extLst>
+              <a:ext uri="{FF2B5EF4-FFF2-40B4-BE49-F238E27FC236}">
+                <a16:creationId xmlns:a16="http://schemas.microsoft.com/office/drawing/2014/main" id="{84956CF5-485B-4EE5-A755-0B0696D3860B}"/>
+              </a:ext>
+            </a:extLst>
+          </p:cNvPr>
+          <p:cNvSpPr txBox="1"/>
+          <p:nvPr/>
+        </p:nvSpPr>
+        <p:spPr>
+          <a:xfrm>
+            <a:off x="11019098" y="219986"/>
+            <a:ext cx="421910" cy="369332"/>
+          </a:xfrm>
+          <a:prstGeom prst="rect">
+            <a:avLst/>
+          </a:prstGeom>
+          <a:noFill/>
+        </p:spPr>
+        <p:txBody>
+          <a:bodyPr wrap="none" rtlCol="0">
+            <a:spAutoFit/>
+          </a:bodyPr>
+          <a:lstStyle/>
+          <a:p>
+            <a:r>
+              <a:rPr kumimoji="1" lang="en-US" altLang="ja-JP" dirty="0"/>
+              <a:t>UI</a:t>
+            </a:r>
+          </a:p>
+        </p:txBody>
+      </p:sp>
+      <p:sp>
+        <p:nvSpPr>
+          <p:cNvPr id="5" name="四角形: 角を丸くする 4">
+            <a:extLst>
+              <a:ext uri="{FF2B5EF4-FFF2-40B4-BE49-F238E27FC236}">
+                <a16:creationId xmlns:a16="http://schemas.microsoft.com/office/drawing/2014/main" id="{CCEACA0B-1844-47AB-9F5C-EA59551F3B3A}"/>
+              </a:ext>
+            </a:extLst>
+          </p:cNvPr>
+          <p:cNvSpPr/>
+          <p:nvPr/>
+        </p:nvSpPr>
+        <p:spPr>
+          <a:xfrm>
+            <a:off x="8611563" y="1967696"/>
+            <a:ext cx="2407535" cy="439838"/>
+          </a:xfrm>
+          <a:prstGeom prst="roundRect">
+            <a:avLst/>
+          </a:prstGeom>
+        </p:spPr>
+        <p:style>
+          <a:lnRef idx="2">
+            <a:schemeClr val="accent1">
+              <a:shade val="50000"/>
+            </a:schemeClr>
+          </a:lnRef>
+          <a:fillRef idx="1">
+            <a:schemeClr val="accent1"/>
+          </a:fillRef>
+          <a:effectRef idx="0">
+            <a:schemeClr val="accent1"/>
+          </a:effectRef>
+          <a:fontRef idx="minor">
+            <a:schemeClr val="lt1"/>
+          </a:fontRef>
+        </p:style>
+        <p:txBody>
+          <a:bodyPr rtlCol="0" anchor="ctr"/>
+          <a:lstStyle/>
+          <a:p>
+            <a:pPr algn="ctr"/>
+            <a:r>
+              <a:rPr kumimoji="1" lang="en-US" altLang="ja-JP" sz="1050" dirty="0" err="1"/>
+              <a:t>CharaChipParameterModel</a:t>
+            </a:r>
+            <a:endParaRPr kumimoji="1" lang="ja-JP" altLang="en-US" sz="1050" dirty="0"/>
+          </a:p>
+        </p:txBody>
+      </p:sp>
+      <p:cxnSp>
+        <p:nvCxnSpPr>
+          <p:cNvPr id="7" name="直線矢印コネクタ 6">
+            <a:extLst>
+              <a:ext uri="{FF2B5EF4-FFF2-40B4-BE49-F238E27FC236}">
+                <a16:creationId xmlns:a16="http://schemas.microsoft.com/office/drawing/2014/main" id="{120521E1-76B2-4077-9F6D-2D926EEA1CB2}"/>
+              </a:ext>
+            </a:extLst>
+          </p:cNvPr>
+          <p:cNvCxnSpPr/>
+          <p:nvPr/>
+        </p:nvCxnSpPr>
+        <p:spPr>
+          <a:xfrm flipV="1">
+            <a:off x="9363919" y="1088021"/>
+            <a:ext cx="0" cy="879675"/>
+          </a:xfrm>
+          <a:prstGeom prst="straightConnector1">
+            <a:avLst/>
+          </a:prstGeom>
+          <a:ln>
+            <a:solidFill>
+              <a:schemeClr val="accent4">
+                <a:lumMod val="75000"/>
+              </a:schemeClr>
+            </a:solidFill>
+            <a:tailEnd type="triangle"/>
+          </a:ln>
+        </p:spPr>
+        <p:style>
+          <a:lnRef idx="1">
+            <a:schemeClr val="accent1"/>
+          </a:lnRef>
+          <a:fillRef idx="0">
+            <a:schemeClr val="accent1"/>
+          </a:fillRef>
+          <a:effectRef idx="0">
+            <a:schemeClr val="accent1"/>
+          </a:effectRef>
+          <a:fontRef idx="minor">
+            <a:schemeClr val="tx1"/>
+          </a:fontRef>
+        </p:style>
+      </p:cxnSp>
+      <p:cxnSp>
+        <p:nvCxnSpPr>
+          <p:cNvPr id="9" name="直線矢印コネクタ 8">
+            <a:extLst>
+              <a:ext uri="{FF2B5EF4-FFF2-40B4-BE49-F238E27FC236}">
+                <a16:creationId xmlns:a16="http://schemas.microsoft.com/office/drawing/2014/main" id="{9705920B-CD03-45E0-A691-5154FBA207FB}"/>
+              </a:ext>
+            </a:extLst>
+          </p:cNvPr>
+          <p:cNvCxnSpPr/>
+          <p:nvPr/>
+        </p:nvCxnSpPr>
+        <p:spPr>
+          <a:xfrm>
+            <a:off x="9653286" y="1088021"/>
+            <a:ext cx="0" cy="879675"/>
+          </a:xfrm>
+          <a:prstGeom prst="straightConnector1">
+            <a:avLst/>
+          </a:prstGeom>
+          <a:ln>
+            <a:solidFill>
+              <a:schemeClr val="accent4">
+                <a:lumMod val="75000"/>
+              </a:schemeClr>
+            </a:solidFill>
+            <a:tailEnd type="triangle"/>
+          </a:ln>
+        </p:spPr>
+        <p:style>
+          <a:lnRef idx="1">
+            <a:schemeClr val="accent1"/>
+          </a:lnRef>
+          <a:fillRef idx="0">
+            <a:schemeClr val="accent1"/>
+          </a:fillRef>
+          <a:effectRef idx="0">
+            <a:schemeClr val="accent1"/>
+          </a:effectRef>
+          <a:fontRef idx="minor">
+            <a:schemeClr val="tx1"/>
+          </a:fontRef>
+        </p:style>
+      </p:cxnSp>
+      <p:sp>
+        <p:nvSpPr>
+          <p:cNvPr id="10" name="テキスト ボックス 9">
+            <a:extLst>
+              <a:ext uri="{FF2B5EF4-FFF2-40B4-BE49-F238E27FC236}">
+                <a16:creationId xmlns:a16="http://schemas.microsoft.com/office/drawing/2014/main" id="{532260F1-7992-4FD7-AEB9-B1006E726C87}"/>
+              </a:ext>
+            </a:extLst>
+          </p:cNvPr>
+          <p:cNvSpPr txBox="1"/>
+          <p:nvPr/>
+        </p:nvSpPr>
+        <p:spPr>
+          <a:xfrm>
+            <a:off x="8103987" y="1572966"/>
+            <a:ext cx="1218603" cy="276999"/>
+          </a:xfrm>
+          <a:prstGeom prst="rect">
+            <a:avLst/>
+          </a:prstGeom>
+          <a:noFill/>
+        </p:spPr>
+        <p:txBody>
+          <a:bodyPr wrap="none" rtlCol="0">
+            <a:spAutoFit/>
+          </a:bodyPr>
+          <a:lstStyle/>
+          <a:p>
+            <a:r>
+              <a:rPr kumimoji="1" lang="en-US" altLang="ja-JP" sz="1200" dirty="0" err="1"/>
+              <a:t>ValueChanged</a:t>
+            </a:r>
+            <a:endParaRPr kumimoji="1" lang="ja-JP" altLang="en-US" sz="1200" dirty="0"/>
+          </a:p>
+        </p:txBody>
+      </p:sp>
+      <p:sp>
+        <p:nvSpPr>
+          <p:cNvPr id="11" name="テキスト ボックス 10">
+            <a:extLst>
+              <a:ext uri="{FF2B5EF4-FFF2-40B4-BE49-F238E27FC236}">
+                <a16:creationId xmlns:a16="http://schemas.microsoft.com/office/drawing/2014/main" id="{8DB893DF-A908-41EC-893D-44E1EC46F13A}"/>
+              </a:ext>
+            </a:extLst>
+          </p:cNvPr>
+          <p:cNvSpPr txBox="1"/>
+          <p:nvPr/>
+        </p:nvSpPr>
+        <p:spPr>
+          <a:xfrm>
+            <a:off x="9676437" y="1572966"/>
+            <a:ext cx="1112805" cy="276999"/>
+          </a:xfrm>
+          <a:prstGeom prst="rect">
+            <a:avLst/>
+          </a:prstGeom>
+          <a:noFill/>
+        </p:spPr>
+        <p:txBody>
+          <a:bodyPr wrap="none" rtlCol="0">
+            <a:spAutoFit/>
+          </a:bodyPr>
+          <a:lstStyle/>
+          <a:p>
+            <a:r>
+              <a:rPr kumimoji="1" lang="en-US" altLang="ja-JP" sz="1200" dirty="0"/>
+              <a:t>UI</a:t>
+            </a:r>
+            <a:r>
+              <a:rPr kumimoji="1" lang="ja-JP" altLang="en-US" sz="1200" dirty="0"/>
+              <a:t>上での変更</a:t>
+            </a:r>
+          </a:p>
+        </p:txBody>
+      </p:sp>
+      <p:sp>
+        <p:nvSpPr>
+          <p:cNvPr id="12" name="四角形: 角を丸くする 11">
+            <a:extLst>
+              <a:ext uri="{FF2B5EF4-FFF2-40B4-BE49-F238E27FC236}">
+                <a16:creationId xmlns:a16="http://schemas.microsoft.com/office/drawing/2014/main" id="{A2936241-D9F1-480D-9CDA-D991C925F6B7}"/>
+              </a:ext>
+            </a:extLst>
+          </p:cNvPr>
+          <p:cNvSpPr/>
+          <p:nvPr/>
+        </p:nvSpPr>
+        <p:spPr>
+          <a:xfrm>
+            <a:off x="1045029" y="163104"/>
+            <a:ext cx="10552805" cy="1133261"/>
+          </a:xfrm>
+          <a:prstGeom prst="roundRect">
+            <a:avLst/>
+          </a:prstGeom>
+          <a:noFill/>
+          <a:ln>
+            <a:prstDash val="dash"/>
+          </a:ln>
+        </p:spPr>
+        <p:style>
+          <a:lnRef idx="2">
+            <a:schemeClr val="accent1">
+              <a:shade val="50000"/>
+            </a:schemeClr>
+          </a:lnRef>
+          <a:fillRef idx="1">
+            <a:schemeClr val="accent1"/>
+          </a:fillRef>
+          <a:effectRef idx="0">
+            <a:schemeClr val="accent1"/>
+          </a:effectRef>
+          <a:fontRef idx="minor">
+            <a:schemeClr val="lt1"/>
+          </a:fontRef>
+        </p:style>
+        <p:txBody>
+          <a:bodyPr rtlCol="0" anchor="ctr"/>
+          <a:lstStyle/>
+          <a:p>
+            <a:pPr algn="ctr"/>
+            <a:endParaRPr kumimoji="1" lang="ja-JP" altLang="en-US" sz="1050" dirty="0" err="1"/>
+          </a:p>
+        </p:txBody>
+      </p:sp>
+      <p:sp>
+        <p:nvSpPr>
+          <p:cNvPr id="16" name="四角形: 角を丸くする 15">
+            <a:extLst>
+              <a:ext uri="{FF2B5EF4-FFF2-40B4-BE49-F238E27FC236}">
+                <a16:creationId xmlns:a16="http://schemas.microsoft.com/office/drawing/2014/main" id="{A7B5FF96-5AAF-415C-84D3-0F0B2A5448C9}"/>
+              </a:ext>
+            </a:extLst>
+          </p:cNvPr>
+          <p:cNvSpPr/>
+          <p:nvPr/>
+        </p:nvSpPr>
+        <p:spPr>
+          <a:xfrm>
+            <a:off x="4676171" y="647192"/>
+            <a:ext cx="2407535" cy="439838"/>
+          </a:xfrm>
+          <a:prstGeom prst="roundRect">
+            <a:avLst/>
+          </a:prstGeom>
+        </p:spPr>
+        <p:style>
+          <a:lnRef idx="2">
+            <a:schemeClr val="accent1">
+              <a:shade val="50000"/>
+            </a:schemeClr>
+          </a:lnRef>
+          <a:fillRef idx="1">
+            <a:schemeClr val="accent1"/>
+          </a:fillRef>
+          <a:effectRef idx="0">
+            <a:schemeClr val="accent1"/>
+          </a:effectRef>
+          <a:fontRef idx="minor">
+            <a:schemeClr val="lt1"/>
+          </a:fontRef>
+        </p:style>
+        <p:txBody>
+          <a:bodyPr rtlCol="0" anchor="ctr"/>
+          <a:lstStyle/>
+          <a:p>
+            <a:pPr algn="ctr"/>
+            <a:r>
+              <a:rPr kumimoji="1" lang="en-US" altLang="ja-JP" sz="1050" dirty="0" err="1"/>
+              <a:t>CharaChipGeneratorForm</a:t>
+            </a:r>
+            <a:endParaRPr kumimoji="1" lang="ja-JP" altLang="en-US" sz="1050" dirty="0"/>
+          </a:p>
+        </p:txBody>
+      </p:sp>
+      <p:cxnSp>
+        <p:nvCxnSpPr>
+          <p:cNvPr id="23" name="直線コネクタ 22">
+            <a:extLst>
+              <a:ext uri="{FF2B5EF4-FFF2-40B4-BE49-F238E27FC236}">
+                <a16:creationId xmlns:a16="http://schemas.microsoft.com/office/drawing/2014/main" id="{7FC132C9-F1EA-4E51-9D9E-0C979B748423}"/>
+              </a:ext>
+            </a:extLst>
+          </p:cNvPr>
+          <p:cNvCxnSpPr>
+            <a:stCxn id="16" idx="3"/>
+            <a:endCxn id="3" idx="1"/>
+          </p:cNvCxnSpPr>
+          <p:nvPr/>
+        </p:nvCxnSpPr>
+        <p:spPr>
+          <a:xfrm>
+            <a:off x="7083706" y="867111"/>
+            <a:ext cx="1527858" cy="991"/>
+          </a:xfrm>
+          <a:prstGeom prst="line">
+            <a:avLst/>
+          </a:prstGeom>
+          <a:ln>
+            <a:solidFill>
+              <a:srgbClr val="FF0000"/>
+            </a:solidFill>
+          </a:ln>
+        </p:spPr>
+        <p:style>
+          <a:lnRef idx="1">
+            <a:schemeClr val="accent1"/>
+          </a:lnRef>
+          <a:fillRef idx="0">
+            <a:schemeClr val="accent1"/>
+          </a:fillRef>
+          <a:effectRef idx="0">
+            <a:schemeClr val="accent1"/>
+          </a:effectRef>
+          <a:fontRef idx="minor">
+            <a:schemeClr val="tx1"/>
+          </a:fontRef>
+        </p:style>
+      </p:cxnSp>
+      <p:cxnSp>
+        <p:nvCxnSpPr>
+          <p:cNvPr id="25" name="直線コネクタ 24">
+            <a:extLst>
+              <a:ext uri="{FF2B5EF4-FFF2-40B4-BE49-F238E27FC236}">
+                <a16:creationId xmlns:a16="http://schemas.microsoft.com/office/drawing/2014/main" id="{E6425855-3F18-443A-B328-1A6A24A30624}"/>
+              </a:ext>
+            </a:extLst>
+          </p:cNvPr>
+          <p:cNvCxnSpPr>
+            <a:stCxn id="16" idx="2"/>
+            <a:endCxn id="6" idx="0"/>
+          </p:cNvCxnSpPr>
+          <p:nvPr/>
+        </p:nvCxnSpPr>
+        <p:spPr>
+          <a:xfrm>
+            <a:off x="5879939" y="1087030"/>
+            <a:ext cx="5790" cy="880666"/>
+          </a:xfrm>
+          <a:prstGeom prst="line">
+            <a:avLst/>
+          </a:prstGeom>
+          <a:ln>
+            <a:solidFill>
+              <a:srgbClr val="FF0000"/>
+            </a:solidFill>
+          </a:ln>
+        </p:spPr>
+        <p:style>
+          <a:lnRef idx="1">
+            <a:schemeClr val="accent1"/>
+          </a:lnRef>
+          <a:fillRef idx="0">
+            <a:schemeClr val="accent1"/>
+          </a:fillRef>
+          <a:effectRef idx="0">
+            <a:schemeClr val="accent1"/>
+          </a:effectRef>
+          <a:fontRef idx="minor">
+            <a:schemeClr val="tx1"/>
+          </a:fontRef>
+        </p:style>
+      </p:cxnSp>
+      <p:cxnSp>
+        <p:nvCxnSpPr>
+          <p:cNvPr id="30" name="直線コネクタ 29">
+            <a:extLst>
+              <a:ext uri="{FF2B5EF4-FFF2-40B4-BE49-F238E27FC236}">
+                <a16:creationId xmlns:a16="http://schemas.microsoft.com/office/drawing/2014/main" id="{20AC5720-6F44-4470-B3BC-705F79231965}"/>
+              </a:ext>
+            </a:extLst>
+          </p:cNvPr>
+          <p:cNvCxnSpPr>
+            <a:stCxn id="6" idx="3"/>
+            <a:endCxn id="5" idx="1"/>
+          </p:cNvCxnSpPr>
+          <p:nvPr/>
+        </p:nvCxnSpPr>
+        <p:spPr>
+          <a:xfrm>
+            <a:off x="7187881" y="2187615"/>
+            <a:ext cx="1423682" cy="0"/>
+          </a:xfrm>
+          <a:prstGeom prst="line">
+            <a:avLst/>
+          </a:prstGeom>
+          <a:ln>
+            <a:solidFill>
+              <a:srgbClr val="FF0000"/>
+            </a:solidFill>
+          </a:ln>
+        </p:spPr>
+        <p:style>
+          <a:lnRef idx="1">
+            <a:schemeClr val="accent1"/>
+          </a:lnRef>
+          <a:fillRef idx="0">
+            <a:schemeClr val="accent1"/>
+          </a:fillRef>
+          <a:effectRef idx="0">
+            <a:schemeClr val="accent1"/>
+          </a:effectRef>
+          <a:fontRef idx="minor">
+            <a:schemeClr val="tx1"/>
+          </a:fontRef>
+        </p:style>
+      </p:cxnSp>
+      <p:cxnSp>
+        <p:nvCxnSpPr>
+          <p:cNvPr id="36" name="直線コネクタ 35">
+            <a:extLst>
+              <a:ext uri="{FF2B5EF4-FFF2-40B4-BE49-F238E27FC236}">
+                <a16:creationId xmlns:a16="http://schemas.microsoft.com/office/drawing/2014/main" id="{116D5B91-7F78-4406-B686-F550D3F28110}"/>
+              </a:ext>
+            </a:extLst>
+          </p:cNvPr>
+          <p:cNvCxnSpPr/>
+          <p:nvPr/>
+        </p:nvCxnSpPr>
+        <p:spPr>
+          <a:xfrm>
+            <a:off x="9071429" y="6183086"/>
+            <a:ext cx="743901" cy="0"/>
+          </a:xfrm>
+          <a:prstGeom prst="line">
+            <a:avLst/>
+          </a:prstGeom>
+          <a:ln>
+            <a:solidFill>
+              <a:srgbClr val="FF0000"/>
+            </a:solidFill>
+          </a:ln>
+        </p:spPr>
+        <p:style>
+          <a:lnRef idx="1">
+            <a:schemeClr val="accent1"/>
+          </a:lnRef>
+          <a:fillRef idx="0">
+            <a:schemeClr val="accent1"/>
+          </a:fillRef>
+          <a:effectRef idx="0">
+            <a:schemeClr val="accent1"/>
+          </a:effectRef>
+          <a:fontRef idx="minor">
+            <a:schemeClr val="tx1"/>
+          </a:fontRef>
+        </p:style>
+      </p:cxnSp>
+      <p:sp>
+        <p:nvSpPr>
+          <p:cNvPr id="37" name="テキスト ボックス 36">
+            <a:extLst>
+              <a:ext uri="{FF2B5EF4-FFF2-40B4-BE49-F238E27FC236}">
+                <a16:creationId xmlns:a16="http://schemas.microsoft.com/office/drawing/2014/main" id="{537E0E27-6275-44DF-B851-41DDB170160A}"/>
+              </a:ext>
+            </a:extLst>
+          </p:cNvPr>
+          <p:cNvSpPr txBox="1"/>
+          <p:nvPr/>
+        </p:nvSpPr>
+        <p:spPr>
+          <a:xfrm>
+            <a:off x="9911102" y="5998420"/>
+            <a:ext cx="1107996" cy="369332"/>
+          </a:xfrm>
+          <a:prstGeom prst="rect">
+            <a:avLst/>
+          </a:prstGeom>
+          <a:noFill/>
+        </p:spPr>
+        <p:txBody>
+          <a:bodyPr wrap="none" rtlCol="0">
+            <a:spAutoFit/>
+          </a:bodyPr>
+          <a:lstStyle/>
+          <a:p>
+            <a:r>
+              <a:rPr kumimoji="1" lang="ja-JP" altLang="en-US" dirty="0"/>
+              <a:t>親子関係</a:t>
+            </a:r>
+          </a:p>
+        </p:txBody>
+      </p:sp>
+      <p:sp>
+        <p:nvSpPr>
+          <p:cNvPr id="40" name="四角形: 角を丸くする 39">
+            <a:extLst>
+              <a:ext uri="{FF2B5EF4-FFF2-40B4-BE49-F238E27FC236}">
+                <a16:creationId xmlns:a16="http://schemas.microsoft.com/office/drawing/2014/main" id="{77AACDCC-E0F3-418E-B3FE-C34B70879F23}"/>
+              </a:ext>
+            </a:extLst>
+          </p:cNvPr>
+          <p:cNvSpPr/>
+          <p:nvPr/>
+        </p:nvSpPr>
+        <p:spPr>
+          <a:xfrm>
+            <a:off x="1536543" y="647192"/>
+            <a:ext cx="1753564" cy="439838"/>
+          </a:xfrm>
+          <a:prstGeom prst="roundRect">
+            <a:avLst/>
+          </a:prstGeom>
+        </p:spPr>
+        <p:style>
+          <a:lnRef idx="2">
+            <a:schemeClr val="accent1">
+              <a:shade val="50000"/>
+            </a:schemeClr>
+          </a:lnRef>
+          <a:fillRef idx="1">
+            <a:schemeClr val="accent1"/>
+          </a:fillRef>
+          <a:effectRef idx="0">
+            <a:schemeClr val="accent1"/>
+          </a:effectRef>
+          <a:fontRef idx="minor">
+            <a:schemeClr val="lt1"/>
+          </a:fontRef>
+        </p:style>
+        <p:txBody>
+          <a:bodyPr rtlCol="0" anchor="ctr"/>
+          <a:lstStyle/>
+          <a:p>
+            <a:pPr algn="ctr"/>
+            <a:r>
+              <a:rPr kumimoji="1" lang="en-US" altLang="ja-JP" sz="1050" dirty="0" err="1"/>
+              <a:t>CharaChipViewNN</a:t>
+            </a:r>
+            <a:endParaRPr kumimoji="1" lang="ja-JP" altLang="en-US" sz="1050" dirty="0"/>
+          </a:p>
+        </p:txBody>
+      </p:sp>
+      <p:cxnSp>
+        <p:nvCxnSpPr>
+          <p:cNvPr id="42" name="直線矢印コネクタ 41">
+            <a:extLst>
+              <a:ext uri="{FF2B5EF4-FFF2-40B4-BE49-F238E27FC236}">
+                <a16:creationId xmlns:a16="http://schemas.microsoft.com/office/drawing/2014/main" id="{35C3ACE9-A487-411B-8BEC-591E1188F182}"/>
+              </a:ext>
+            </a:extLst>
+          </p:cNvPr>
+          <p:cNvCxnSpPr>
+            <a:cxnSpLocks/>
+          </p:cNvCxnSpPr>
+          <p:nvPr/>
+        </p:nvCxnSpPr>
+        <p:spPr>
+          <a:xfrm>
+            <a:off x="3290107" y="1087030"/>
+            <a:ext cx="1293470" cy="880666"/>
+          </a:xfrm>
+          <a:prstGeom prst="straightConnector1">
+            <a:avLst/>
+          </a:prstGeom>
+          <a:ln>
+            <a:prstDash val="dash"/>
+            <a:tailEnd type="triangle"/>
+          </a:ln>
+        </p:spPr>
+        <p:style>
+          <a:lnRef idx="1">
+            <a:schemeClr val="accent1"/>
+          </a:lnRef>
+          <a:fillRef idx="0">
+            <a:schemeClr val="accent1"/>
+          </a:fillRef>
+          <a:effectRef idx="0">
+            <a:schemeClr val="accent1"/>
+          </a:effectRef>
+          <a:fontRef idx="minor">
+            <a:schemeClr val="tx1"/>
+          </a:fontRef>
+        </p:style>
+      </p:cxnSp>
+      <p:cxnSp>
+        <p:nvCxnSpPr>
+          <p:cNvPr id="44" name="直線矢印コネクタ 43">
+            <a:extLst>
+              <a:ext uri="{FF2B5EF4-FFF2-40B4-BE49-F238E27FC236}">
+                <a16:creationId xmlns:a16="http://schemas.microsoft.com/office/drawing/2014/main" id="{23244ABF-A3F5-40BB-9739-608AE6765EDA}"/>
+              </a:ext>
+            </a:extLst>
+          </p:cNvPr>
+          <p:cNvCxnSpPr>
+            <a:cxnSpLocks/>
+          </p:cNvCxnSpPr>
+          <p:nvPr/>
+        </p:nvCxnSpPr>
+        <p:spPr>
+          <a:xfrm>
+            <a:off x="9063928" y="5751093"/>
+            <a:ext cx="658558" cy="0"/>
+          </a:xfrm>
+          <a:prstGeom prst="straightConnector1">
+            <a:avLst/>
+          </a:prstGeom>
+          <a:ln>
+            <a:prstDash val="dash"/>
+            <a:tailEnd type="triangle"/>
+          </a:ln>
+        </p:spPr>
+        <p:style>
+          <a:lnRef idx="1">
+            <a:schemeClr val="accent1"/>
+          </a:lnRef>
+          <a:fillRef idx="0">
+            <a:schemeClr val="accent1"/>
+          </a:fillRef>
+          <a:effectRef idx="0">
+            <a:schemeClr val="accent1"/>
+          </a:effectRef>
+          <a:fontRef idx="minor">
+            <a:schemeClr val="tx1"/>
+          </a:fontRef>
+        </p:style>
+      </p:cxnSp>
+      <p:sp>
+        <p:nvSpPr>
+          <p:cNvPr id="47" name="テキスト ボックス 46">
+            <a:extLst>
+              <a:ext uri="{FF2B5EF4-FFF2-40B4-BE49-F238E27FC236}">
+                <a16:creationId xmlns:a16="http://schemas.microsoft.com/office/drawing/2014/main" id="{DCDE4E01-5154-4247-BED6-3D43F0F934F8}"/>
+              </a:ext>
+            </a:extLst>
+          </p:cNvPr>
+          <p:cNvSpPr txBox="1"/>
+          <p:nvPr/>
+        </p:nvSpPr>
+        <p:spPr>
+          <a:xfrm>
+            <a:off x="9911102" y="5531957"/>
+            <a:ext cx="646331" cy="369332"/>
+          </a:xfrm>
+          <a:prstGeom prst="rect">
+            <a:avLst/>
+          </a:prstGeom>
+          <a:noFill/>
+        </p:spPr>
+        <p:txBody>
+          <a:bodyPr wrap="none" rtlCol="0">
+            <a:spAutoFit/>
+          </a:bodyPr>
+          <a:lstStyle/>
+          <a:p>
+            <a:r>
+              <a:rPr kumimoji="1" lang="ja-JP" altLang="en-US" dirty="0"/>
+              <a:t>参照</a:t>
+            </a:r>
+          </a:p>
+        </p:txBody>
+      </p:sp>
+      <p:cxnSp>
+        <p:nvCxnSpPr>
+          <p:cNvPr id="49" name="直線矢印コネクタ 48">
+            <a:extLst>
+              <a:ext uri="{FF2B5EF4-FFF2-40B4-BE49-F238E27FC236}">
+                <a16:creationId xmlns:a16="http://schemas.microsoft.com/office/drawing/2014/main" id="{8E1168DB-4735-4C71-B006-483F39E4A92E}"/>
+              </a:ext>
+            </a:extLst>
+          </p:cNvPr>
+          <p:cNvCxnSpPr>
+            <a:cxnSpLocks/>
+            <a:stCxn id="6" idx="1"/>
+          </p:cNvCxnSpPr>
+          <p:nvPr/>
+        </p:nvCxnSpPr>
+        <p:spPr>
+          <a:xfrm flipH="1" flipV="1">
+            <a:off x="3047279" y="1119707"/>
+            <a:ext cx="1536298" cy="1067908"/>
+          </a:xfrm>
+          <a:prstGeom prst="straightConnector1">
+            <a:avLst/>
+          </a:prstGeom>
+          <a:ln>
+            <a:solidFill>
+              <a:schemeClr val="accent4">
+                <a:lumMod val="75000"/>
+              </a:schemeClr>
+            </a:solidFill>
+            <a:tailEnd type="triangle"/>
+          </a:ln>
+        </p:spPr>
+        <p:style>
+          <a:lnRef idx="1">
+            <a:schemeClr val="accent1"/>
+          </a:lnRef>
+          <a:fillRef idx="0">
+            <a:schemeClr val="accent1"/>
+          </a:fillRef>
+          <a:effectRef idx="0">
+            <a:schemeClr val="accent1"/>
+          </a:effectRef>
+          <a:fontRef idx="minor">
+            <a:schemeClr val="tx1"/>
+          </a:fontRef>
+        </p:style>
+      </p:cxnSp>
+      <p:cxnSp>
+        <p:nvCxnSpPr>
+          <p:cNvPr id="51" name="直線矢印コネクタ 50">
+            <a:extLst>
+              <a:ext uri="{FF2B5EF4-FFF2-40B4-BE49-F238E27FC236}">
+                <a16:creationId xmlns:a16="http://schemas.microsoft.com/office/drawing/2014/main" id="{19EB1843-B76E-4C6B-ADDA-C90EDD8F5986}"/>
+              </a:ext>
+            </a:extLst>
+          </p:cNvPr>
+          <p:cNvCxnSpPr>
+            <a:cxnSpLocks/>
+          </p:cNvCxnSpPr>
+          <p:nvPr/>
+        </p:nvCxnSpPr>
+        <p:spPr>
+          <a:xfrm>
+            <a:off x="9063928" y="5319101"/>
+            <a:ext cx="751402" cy="0"/>
+          </a:xfrm>
+          <a:prstGeom prst="straightConnector1">
+            <a:avLst/>
+          </a:prstGeom>
+          <a:ln>
+            <a:solidFill>
+              <a:schemeClr val="accent4">
+                <a:lumMod val="75000"/>
+              </a:schemeClr>
+            </a:solidFill>
+            <a:tailEnd type="triangle"/>
+          </a:ln>
+        </p:spPr>
+        <p:style>
+          <a:lnRef idx="1">
+            <a:schemeClr val="accent1"/>
+          </a:lnRef>
+          <a:fillRef idx="0">
+            <a:schemeClr val="accent1"/>
+          </a:fillRef>
+          <a:effectRef idx="0">
+            <a:schemeClr val="accent1"/>
+          </a:effectRef>
+          <a:fontRef idx="minor">
+            <a:schemeClr val="tx1"/>
+          </a:fontRef>
+        </p:style>
+      </p:cxnSp>
+      <p:sp>
+        <p:nvSpPr>
+          <p:cNvPr id="53" name="テキスト ボックス 52">
+            <a:extLst>
+              <a:ext uri="{FF2B5EF4-FFF2-40B4-BE49-F238E27FC236}">
+                <a16:creationId xmlns:a16="http://schemas.microsoft.com/office/drawing/2014/main" id="{0186DFF7-D89C-4F15-ADCF-1A1F93E8E1DD}"/>
+              </a:ext>
+            </a:extLst>
+          </p:cNvPr>
+          <p:cNvSpPr txBox="1"/>
+          <p:nvPr/>
+        </p:nvSpPr>
+        <p:spPr>
+          <a:xfrm>
+            <a:off x="9911102" y="5134435"/>
+            <a:ext cx="1569660" cy="369332"/>
+          </a:xfrm>
+          <a:prstGeom prst="rect">
+            <a:avLst/>
+          </a:prstGeom>
+          <a:noFill/>
+        </p:spPr>
+        <p:txBody>
+          <a:bodyPr wrap="none" rtlCol="0">
+            <a:spAutoFit/>
+          </a:bodyPr>
+          <a:lstStyle/>
+          <a:p>
+            <a:r>
+              <a:rPr kumimoji="1" lang="ja-JP" altLang="en-US" dirty="0"/>
+              <a:t>イベント通知</a:t>
+            </a:r>
+          </a:p>
+        </p:txBody>
+      </p:sp>
+      <p:sp>
+        <p:nvSpPr>
+          <p:cNvPr id="54" name="テキスト ボックス 53">
+            <a:extLst>
+              <a:ext uri="{FF2B5EF4-FFF2-40B4-BE49-F238E27FC236}">
+                <a16:creationId xmlns:a16="http://schemas.microsoft.com/office/drawing/2014/main" id="{AFA7750B-0D82-4A50-85D3-A9A572651D33}"/>
+              </a:ext>
+            </a:extLst>
+          </p:cNvPr>
+          <p:cNvSpPr txBox="1"/>
+          <p:nvPr/>
+        </p:nvSpPr>
+        <p:spPr>
+          <a:xfrm>
+            <a:off x="2748035" y="1780453"/>
+            <a:ext cx="1252266" cy="276999"/>
+          </a:xfrm>
+          <a:prstGeom prst="rect">
+            <a:avLst/>
+          </a:prstGeom>
+          <a:noFill/>
+        </p:spPr>
+        <p:txBody>
+          <a:bodyPr wrap="none" rtlCol="0">
+            <a:spAutoFit/>
+          </a:bodyPr>
+          <a:lstStyle/>
+          <a:p>
+            <a:r>
+              <a:rPr kumimoji="1" lang="en-US" altLang="ja-JP" sz="1200" dirty="0" err="1"/>
+              <a:t>ImageChanged</a:t>
+            </a:r>
+            <a:endParaRPr kumimoji="1" lang="ja-JP" altLang="en-US" sz="1200" dirty="0"/>
+          </a:p>
+        </p:txBody>
+      </p:sp>
+      <p:sp>
+        <p:nvSpPr>
+          <p:cNvPr id="57" name="四角形: 角を丸くする 56">
+            <a:extLst>
+              <a:ext uri="{FF2B5EF4-FFF2-40B4-BE49-F238E27FC236}">
+                <a16:creationId xmlns:a16="http://schemas.microsoft.com/office/drawing/2014/main" id="{FE13ED24-4AED-40C0-9D9D-768BB2BF4633}"/>
+              </a:ext>
+            </a:extLst>
+          </p:cNvPr>
+          <p:cNvSpPr/>
+          <p:nvPr/>
+        </p:nvSpPr>
+        <p:spPr>
+          <a:xfrm>
+            <a:off x="193526" y="3607810"/>
+            <a:ext cx="1703006" cy="439838"/>
+          </a:xfrm>
+          <a:prstGeom prst="roundRect">
+            <a:avLst/>
+          </a:prstGeom>
+        </p:spPr>
+        <p:style>
+          <a:lnRef idx="2">
+            <a:schemeClr val="accent1">
+              <a:shade val="50000"/>
+            </a:schemeClr>
+          </a:lnRef>
+          <a:fillRef idx="1">
+            <a:schemeClr val="accent1"/>
+          </a:fillRef>
+          <a:effectRef idx="0">
+            <a:schemeClr val="accent1"/>
+          </a:effectRef>
+          <a:fontRef idx="minor">
+            <a:schemeClr val="lt1"/>
+          </a:fontRef>
+        </p:style>
+        <p:txBody>
+          <a:bodyPr rtlCol="0" anchor="ctr"/>
+          <a:lstStyle/>
+          <a:p>
+            <a:pPr algn="ctr"/>
+            <a:r>
+              <a:rPr kumimoji="1" lang="en-US" altLang="ja-JP" sz="1200" dirty="0" err="1"/>
+              <a:t>CharaChipGenerator</a:t>
+            </a:r>
+            <a:endParaRPr kumimoji="1" lang="ja-JP" altLang="en-US" sz="1200" dirty="0"/>
+          </a:p>
+        </p:txBody>
+      </p:sp>
+      <p:sp>
+        <p:nvSpPr>
+          <p:cNvPr id="58" name="テキスト ボックス 57">
+            <a:extLst>
+              <a:ext uri="{FF2B5EF4-FFF2-40B4-BE49-F238E27FC236}">
+                <a16:creationId xmlns:a16="http://schemas.microsoft.com/office/drawing/2014/main" id="{E560A409-93AA-45E9-8B89-B918E7A7EC84}"/>
+              </a:ext>
+            </a:extLst>
+          </p:cNvPr>
+          <p:cNvSpPr txBox="1"/>
+          <p:nvPr/>
+        </p:nvSpPr>
+        <p:spPr>
+          <a:xfrm>
+            <a:off x="29366" y="4131112"/>
+            <a:ext cx="2031325" cy="369332"/>
+          </a:xfrm>
+          <a:prstGeom prst="rect">
+            <a:avLst/>
+          </a:prstGeom>
+          <a:noFill/>
+        </p:spPr>
+        <p:txBody>
+          <a:bodyPr wrap="none" rtlCol="0">
+            <a:spAutoFit/>
+          </a:bodyPr>
+          <a:lstStyle/>
+          <a:p>
+            <a:r>
+              <a:rPr kumimoji="1" lang="ja-JP" altLang="en-US" dirty="0"/>
+              <a:t>レンダリング処理</a:t>
+            </a:r>
+          </a:p>
+        </p:txBody>
+      </p:sp>
+      <p:sp>
+        <p:nvSpPr>
+          <p:cNvPr id="61" name="四角形: 角を丸くする 60">
+            <a:extLst>
+              <a:ext uri="{FF2B5EF4-FFF2-40B4-BE49-F238E27FC236}">
+                <a16:creationId xmlns:a16="http://schemas.microsoft.com/office/drawing/2014/main" id="{D65C0F43-EA82-427A-92BA-9AFEDFFEFEFC}"/>
+              </a:ext>
+            </a:extLst>
+          </p:cNvPr>
+          <p:cNvSpPr/>
+          <p:nvPr/>
+        </p:nvSpPr>
+        <p:spPr>
+          <a:xfrm>
+            <a:off x="4583577" y="3747494"/>
+            <a:ext cx="2604304" cy="439838"/>
+          </a:xfrm>
+          <a:prstGeom prst="roundRect">
+            <a:avLst/>
+          </a:prstGeom>
+        </p:spPr>
+        <p:style>
+          <a:lnRef idx="2">
+            <a:schemeClr val="accent1">
+              <a:shade val="50000"/>
+            </a:schemeClr>
+          </a:lnRef>
+          <a:fillRef idx="1">
+            <a:schemeClr val="accent1"/>
+          </a:fillRef>
+          <a:effectRef idx="0">
+            <a:schemeClr val="accent1"/>
+          </a:effectRef>
+          <a:fontRef idx="minor">
+            <a:schemeClr val="lt1"/>
+          </a:fontRef>
+        </p:style>
+        <p:txBody>
+          <a:bodyPr rtlCol="0" anchor="ctr"/>
+          <a:lstStyle/>
+          <a:p>
+            <a:pPr algn="ctr"/>
+            <a:r>
+              <a:rPr kumimoji="1" lang="en-US" altLang="ja-JP" dirty="0" err="1"/>
+              <a:t>CharaChipDataModel</a:t>
+            </a:r>
+            <a:endParaRPr kumimoji="1" lang="ja-JP" altLang="en-US" dirty="0"/>
+          </a:p>
+        </p:txBody>
+      </p:sp>
+      <p:sp>
+        <p:nvSpPr>
+          <p:cNvPr id="62" name="四角形: 角を丸くする 61">
+            <a:extLst>
+              <a:ext uri="{FF2B5EF4-FFF2-40B4-BE49-F238E27FC236}">
+                <a16:creationId xmlns:a16="http://schemas.microsoft.com/office/drawing/2014/main" id="{28046E5B-99BF-4AD8-B3BB-70294DA1E84C}"/>
+              </a:ext>
+            </a:extLst>
+          </p:cNvPr>
+          <p:cNvSpPr/>
+          <p:nvPr/>
+        </p:nvSpPr>
+        <p:spPr>
+          <a:xfrm>
+            <a:off x="2386271" y="3747494"/>
+            <a:ext cx="1536298" cy="439838"/>
+          </a:xfrm>
+          <a:prstGeom prst="roundRect">
+            <a:avLst/>
+          </a:prstGeom>
+        </p:spPr>
+        <p:style>
+          <a:lnRef idx="2">
+            <a:schemeClr val="accent1">
+              <a:shade val="50000"/>
+            </a:schemeClr>
+          </a:lnRef>
+          <a:fillRef idx="1">
+            <a:schemeClr val="accent1"/>
+          </a:fillRef>
+          <a:effectRef idx="0">
+            <a:schemeClr val="accent1"/>
+          </a:effectRef>
+          <a:fontRef idx="minor">
+            <a:schemeClr val="lt1"/>
+          </a:fontRef>
+        </p:style>
+        <p:txBody>
+          <a:bodyPr rtlCol="0" anchor="ctr"/>
+          <a:lstStyle/>
+          <a:p>
+            <a:pPr algn="ctr"/>
+            <a:r>
+              <a:rPr kumimoji="1" lang="en-US" altLang="ja-JP" dirty="0" err="1"/>
+              <a:t>AppData</a:t>
+            </a:r>
+            <a:endParaRPr kumimoji="1" lang="ja-JP" altLang="en-US" dirty="0"/>
+          </a:p>
+        </p:txBody>
+      </p:sp>
+      <p:cxnSp>
+        <p:nvCxnSpPr>
+          <p:cNvPr id="64" name="直線コネクタ 63">
+            <a:extLst>
+              <a:ext uri="{FF2B5EF4-FFF2-40B4-BE49-F238E27FC236}">
+                <a16:creationId xmlns:a16="http://schemas.microsoft.com/office/drawing/2014/main" id="{C3513C3F-4D24-4871-8547-31A31D915C20}"/>
+              </a:ext>
+            </a:extLst>
+          </p:cNvPr>
+          <p:cNvCxnSpPr>
+            <a:cxnSpLocks/>
+            <a:stCxn id="62" idx="3"/>
+            <a:endCxn id="61" idx="1"/>
+          </p:cNvCxnSpPr>
+          <p:nvPr/>
+        </p:nvCxnSpPr>
+        <p:spPr>
+          <a:xfrm>
+            <a:off x="3922569" y="3967413"/>
+            <a:ext cx="661008" cy="0"/>
+          </a:xfrm>
+          <a:prstGeom prst="line">
+            <a:avLst/>
+          </a:prstGeom>
+          <a:ln>
+            <a:solidFill>
+              <a:srgbClr val="FF0000"/>
+            </a:solidFill>
+          </a:ln>
+        </p:spPr>
+        <p:style>
+          <a:lnRef idx="1">
+            <a:schemeClr val="accent1"/>
+          </a:lnRef>
+          <a:fillRef idx="0">
+            <a:schemeClr val="accent1"/>
+          </a:fillRef>
+          <a:effectRef idx="0">
+            <a:schemeClr val="accent1"/>
+          </a:effectRef>
+          <a:fontRef idx="minor">
+            <a:schemeClr val="tx1"/>
+          </a:fontRef>
+        </p:style>
+      </p:cxnSp>
+      <p:sp>
+        <p:nvSpPr>
+          <p:cNvPr id="66" name="矢印: 上下 65">
+            <a:extLst>
+              <a:ext uri="{FF2B5EF4-FFF2-40B4-BE49-F238E27FC236}">
+                <a16:creationId xmlns:a16="http://schemas.microsoft.com/office/drawing/2014/main" id="{3952AF5D-D0AD-4D61-BB2A-51E4BFF896CA}"/>
+              </a:ext>
+            </a:extLst>
+          </p:cNvPr>
+          <p:cNvSpPr/>
+          <p:nvPr/>
+        </p:nvSpPr>
+        <p:spPr>
+          <a:xfrm>
+            <a:off x="5749309" y="2510971"/>
+            <a:ext cx="317662" cy="1096839"/>
+          </a:xfrm>
+          <a:prstGeom prst="upDownArrow">
+            <a:avLst/>
+          </a:prstGeom>
+          <a:noFill/>
+        </p:spPr>
+        <p:style>
+          <a:lnRef idx="2">
+            <a:schemeClr val="accent1">
+              <a:shade val="50000"/>
+            </a:schemeClr>
+          </a:lnRef>
+          <a:fillRef idx="1">
+            <a:schemeClr val="accent1"/>
+          </a:fillRef>
+          <a:effectRef idx="0">
+            <a:schemeClr val="accent1"/>
+          </a:effectRef>
+          <a:fontRef idx="minor">
+            <a:schemeClr val="lt1"/>
+          </a:fontRef>
+        </p:style>
+        <p:txBody>
+          <a:bodyPr rtlCol="0" anchor="ctr"/>
+          <a:lstStyle/>
+          <a:p>
+            <a:pPr algn="ctr"/>
+            <a:endParaRPr kumimoji="1" lang="ja-JP" altLang="en-US" sz="1050" dirty="0" err="1"/>
+          </a:p>
+        </p:txBody>
+      </p:sp>
+      <p:sp>
+        <p:nvSpPr>
+          <p:cNvPr id="67" name="テキスト ボックス 66">
+            <a:extLst>
+              <a:ext uri="{FF2B5EF4-FFF2-40B4-BE49-F238E27FC236}">
+                <a16:creationId xmlns:a16="http://schemas.microsoft.com/office/drawing/2014/main" id="{160A4A53-0A20-4FDE-B2BC-09252B3D8FAE}"/>
+              </a:ext>
+            </a:extLst>
+          </p:cNvPr>
+          <p:cNvSpPr txBox="1"/>
+          <p:nvPr/>
+        </p:nvSpPr>
+        <p:spPr>
+          <a:xfrm>
+            <a:off x="6096000" y="2741215"/>
+            <a:ext cx="3185487" cy="646331"/>
+          </a:xfrm>
+          <a:prstGeom prst="rect">
+            <a:avLst/>
+          </a:prstGeom>
+          <a:noFill/>
+        </p:spPr>
+        <p:txBody>
+          <a:bodyPr wrap="none" rtlCol="0">
+            <a:spAutoFit/>
+          </a:bodyPr>
+          <a:lstStyle/>
+          <a:p>
+            <a:r>
+              <a:rPr kumimoji="1" lang="ja-JP" altLang="en-US" dirty="0"/>
+              <a:t>編集時に設定をコピー、</a:t>
+            </a:r>
+            <a:endParaRPr kumimoji="1" lang="en-US" altLang="ja-JP" dirty="0"/>
+          </a:p>
+          <a:p>
+            <a:r>
+              <a:rPr kumimoji="1" lang="ja-JP" altLang="en-US" dirty="0"/>
+              <a:t>編集確定で変更を適用する。</a:t>
+            </a:r>
+            <a:endParaRPr kumimoji="1" lang="en-US" altLang="ja-JP" dirty="0"/>
+          </a:p>
+        </p:txBody>
+      </p:sp>
+      <p:sp>
+        <p:nvSpPr>
+          <p:cNvPr id="68" name="四角形: 角を丸くする 67">
+            <a:extLst>
+              <a:ext uri="{FF2B5EF4-FFF2-40B4-BE49-F238E27FC236}">
+                <a16:creationId xmlns:a16="http://schemas.microsoft.com/office/drawing/2014/main" id="{B4FD0676-7F0D-4865-80BD-70835B718679}"/>
+              </a:ext>
+            </a:extLst>
+          </p:cNvPr>
+          <p:cNvSpPr/>
+          <p:nvPr/>
+        </p:nvSpPr>
+        <p:spPr>
+          <a:xfrm>
+            <a:off x="4205134" y="5558582"/>
+            <a:ext cx="1703006" cy="439838"/>
+          </a:xfrm>
+          <a:prstGeom prst="roundRect">
+            <a:avLst/>
+          </a:prstGeom>
+        </p:spPr>
+        <p:style>
+          <a:lnRef idx="2">
+            <a:schemeClr val="accent1">
+              <a:shade val="50000"/>
+            </a:schemeClr>
+          </a:lnRef>
+          <a:fillRef idx="1">
+            <a:schemeClr val="accent1"/>
+          </a:fillRef>
+          <a:effectRef idx="0">
+            <a:schemeClr val="accent1"/>
+          </a:effectRef>
+          <a:fontRef idx="minor">
+            <a:schemeClr val="lt1"/>
+          </a:fontRef>
+        </p:style>
+        <p:txBody>
+          <a:bodyPr rtlCol="0" anchor="ctr"/>
+          <a:lstStyle/>
+          <a:p>
+            <a:pPr algn="ctr"/>
+            <a:r>
+              <a:rPr kumimoji="1" lang="en-US" altLang="ja-JP" sz="1200" dirty="0" err="1"/>
+              <a:t>SettingFileController</a:t>
+            </a:r>
+            <a:endParaRPr kumimoji="1" lang="ja-JP" altLang="en-US" sz="1200" dirty="0"/>
+          </a:p>
+        </p:txBody>
+      </p:sp>
+      <p:cxnSp>
+        <p:nvCxnSpPr>
+          <p:cNvPr id="69" name="直線矢印コネクタ 68">
+            <a:extLst>
+              <a:ext uri="{FF2B5EF4-FFF2-40B4-BE49-F238E27FC236}">
+                <a16:creationId xmlns:a16="http://schemas.microsoft.com/office/drawing/2014/main" id="{C5CDC431-64F8-4B8E-800B-F0084DA72C19}"/>
+              </a:ext>
+            </a:extLst>
+          </p:cNvPr>
+          <p:cNvCxnSpPr>
+            <a:cxnSpLocks/>
+          </p:cNvCxnSpPr>
+          <p:nvPr/>
+        </p:nvCxnSpPr>
+        <p:spPr>
+          <a:xfrm flipV="1">
+            <a:off x="5022330" y="4261458"/>
+            <a:ext cx="0" cy="1242309"/>
+          </a:xfrm>
+          <a:prstGeom prst="straightConnector1">
+            <a:avLst/>
+          </a:prstGeom>
+          <a:ln>
+            <a:prstDash val="dash"/>
+            <a:tailEnd type="triangle"/>
+          </a:ln>
+        </p:spPr>
+        <p:style>
+          <a:lnRef idx="1">
+            <a:schemeClr val="accent1"/>
+          </a:lnRef>
+          <a:fillRef idx="0">
+            <a:schemeClr val="accent1"/>
+          </a:fillRef>
+          <a:effectRef idx="0">
+            <a:schemeClr val="accent1"/>
+          </a:effectRef>
+          <a:fontRef idx="minor">
+            <a:schemeClr val="tx1"/>
+          </a:fontRef>
+        </p:style>
+      </p:cxnSp>
+      <p:sp>
+        <p:nvSpPr>
+          <p:cNvPr id="71" name="テキスト ボックス 70">
+            <a:extLst>
+              <a:ext uri="{FF2B5EF4-FFF2-40B4-BE49-F238E27FC236}">
+                <a16:creationId xmlns:a16="http://schemas.microsoft.com/office/drawing/2014/main" id="{D12D9214-4DF4-46BE-A49C-FE91FBDCD92D}"/>
+              </a:ext>
+            </a:extLst>
+          </p:cNvPr>
+          <p:cNvSpPr txBox="1"/>
+          <p:nvPr/>
+        </p:nvSpPr>
+        <p:spPr>
+          <a:xfrm>
+            <a:off x="3154420" y="6053235"/>
+            <a:ext cx="3528530" cy="369332"/>
+          </a:xfrm>
+          <a:prstGeom prst="rect">
+            <a:avLst/>
+          </a:prstGeom>
+          <a:noFill/>
+        </p:spPr>
+        <p:txBody>
+          <a:bodyPr wrap="none" rtlCol="0">
+            <a:spAutoFit/>
+          </a:bodyPr>
+          <a:lstStyle/>
+          <a:p>
+            <a:r>
+              <a:rPr kumimoji="1" lang="ja-JP" altLang="en-US" dirty="0"/>
+              <a:t>ファイルへの保存</a:t>
+            </a:r>
+            <a:r>
+              <a:rPr kumimoji="1" lang="en-US" altLang="ja-JP" dirty="0"/>
+              <a:t>/</a:t>
+            </a:r>
+            <a:r>
+              <a:rPr kumimoji="1" lang="ja-JP" altLang="en-US" dirty="0"/>
+              <a:t>読み出し処理</a:t>
+            </a:r>
           </a:p>
         </p:txBody>
       </p:sp>
